--- a/EDA_ML_sprint2– Stack Overflow 2023.pptx
+++ b/EDA_ML_sprint2– Stack Overflow 2023.pptx
@@ -6046,7 +6046,7 @@
         <p:spPr>
           <a:xfrm>
             <a:off x="430529" y="5562600"/>
-            <a:ext cx="8305800" cy="923330"/>
+            <a:ext cx="8305800" cy="1200329"/>
           </a:xfrm>
           <a:prstGeom prst="rect">
             <a:avLst/>
@@ -6062,7 +6062,13 @@
               <a:rPr lang="en-GB" b="1" dirty="0">
                 <a:latin typeface="system-ui"/>
               </a:rPr>
-              <a:t>All mentioned above indicates that using linear regression or regression tree to predict the annual income is not the best model choice</a:t>
+              <a:t>All mentioned above indicates that using linear regression or regression tree to predict the annual </a:t>
+            </a:r>
+            <a:r>
+              <a:rPr lang="en-GB" b="1" dirty="0" smtClean="0">
+                <a:latin typeface="system-ui"/>
+              </a:rPr>
+              <a:t>could contains issues or need to be carefully adjusted </a:t>
             </a:r>
             <a:endParaRPr lang="en-GB" dirty="0">
               <a:latin typeface="system-ui"/>
